--- a/reports/2021.12.08 - Diffusion investigation plots.pptx
+++ b/reports/2021.12.08 - Diffusion investigation plots.pptx
@@ -129,7 +129,7 @@
   <p:extLst>
     <p:ext uri="{521415D9-36F7-43E2-AB2F-B90AF26B5E84}">
       <p14:sectionLst xmlns:p14="http://schemas.microsoft.com/office/powerpoint/2010/main">
-        <p14:section name="Default Section" id="{AF208F6A-4C47-4F55-BDF4-A8DC9778D420}">
+        <p14:section name="22 x 22" id="{AF208F6A-4C47-4F55-BDF4-A8DC9778D420}">
           <p14:sldIdLst>
             <p14:sldId id="258"/>
             <p14:sldId id="259"/>
